--- a/week_03/day_04/homework .pptx
+++ b/week_03/day_04/homework .pptx
@@ -7097,6 +7097,66 @@
           </a:p>
         </p:txBody>
       </p:sp>
+      <p:pic>
+        <p:nvPicPr>
+          <p:cNvPr id="4" name="Picture 3" descr="Text&#10;&#10;Description automatically generated">
+            <a:extLst>
+              <a:ext uri="{FF2B5EF4-FFF2-40B4-BE49-F238E27FC236}">
+                <a16:creationId xmlns:a16="http://schemas.microsoft.com/office/drawing/2014/main" id="{5CBDD51C-30F0-3F4D-A60A-285CD48A1A81}"/>
+              </a:ext>
+            </a:extLst>
+          </p:cNvPr>
+          <p:cNvPicPr>
+            <a:picLocks noChangeAspect="1"/>
+          </p:cNvPicPr>
+          <p:nvPr/>
+        </p:nvPicPr>
+        <p:blipFill>
+          <a:blip r:embed="rId2"/>
+          <a:stretch>
+            <a:fillRect/>
+          </a:stretch>
+        </p:blipFill>
+        <p:spPr>
+          <a:xfrm>
+            <a:off x="95294" y="1377950"/>
+            <a:ext cx="3492500" cy="2324100"/>
+          </a:xfrm>
+          <a:prstGeom prst="rect">
+            <a:avLst/>
+          </a:prstGeom>
+        </p:spPr>
+      </p:pic>
+      <p:pic>
+        <p:nvPicPr>
+          <p:cNvPr id="6" name="Picture 5" descr="Graphical user interface, website&#10;&#10;Description automatically generated">
+            <a:extLst>
+              <a:ext uri="{FF2B5EF4-FFF2-40B4-BE49-F238E27FC236}">
+                <a16:creationId xmlns:a16="http://schemas.microsoft.com/office/drawing/2014/main" id="{8334A8DE-D531-0348-B6C4-0935107A2465}"/>
+              </a:ext>
+            </a:extLst>
+          </p:cNvPr>
+          <p:cNvPicPr>
+            <a:picLocks noChangeAspect="1"/>
+          </p:cNvPicPr>
+          <p:nvPr/>
+        </p:nvPicPr>
+        <p:blipFill>
+          <a:blip r:embed="rId3"/>
+          <a:stretch>
+            <a:fillRect/>
+          </a:stretch>
+        </p:blipFill>
+        <p:spPr>
+          <a:xfrm>
+            <a:off x="95295" y="3549650"/>
+            <a:ext cx="3530600" cy="2298700"/>
+          </a:xfrm>
+          <a:prstGeom prst="rect">
+            <a:avLst/>
+          </a:prstGeom>
+        </p:spPr>
+      </p:pic>
     </p:spTree>
     <p:extLst>
       <p:ext uri="{BB962C8B-B14F-4D97-AF65-F5344CB8AC3E}">

--- a/week_03/day_04/homework .pptx
+++ b/week_03/day_04/homework .pptx
@@ -5881,15 +5881,7 @@
           <a:p>
             <a:r>
               <a:rPr lang="en-US" dirty="0"/>
-              <a:t>The question of whether it should have regulation is </a:t>
-            </a:r>
-            <a:r>
-              <a:rPr lang="en-US" dirty="0" err="1"/>
-              <a:t>bourne</a:t>
-            </a:r>
-            <a:r>
-              <a:rPr lang="en-US" dirty="0"/>
-              <a:t> from a lot of negative press </a:t>
+              <a:t>The question of whether it should have regulation is borne from a lot of negative press </a:t>
             </a:r>
           </a:p>
           <a:p>

--- a/week_03/day_04/homework .pptx
+++ b/week_03/day_04/homework .pptx
@@ -9,7 +9,8 @@
     <p:sldId id="257" r:id="rId3"/>
     <p:sldId id="259" r:id="rId4"/>
     <p:sldId id="258" r:id="rId5"/>
-    <p:sldId id="260" r:id="rId6"/>
+    <p:sldId id="261" r:id="rId6"/>
+    <p:sldId id="260" r:id="rId7"/>
   </p:sldIdLst>
   <p:sldSz cx="12192000" cy="6858000"/>
   <p:notesSz cx="6858000" cy="9144000"/>
@@ -7165,6 +7166,963 @@
 <file path=ppt/slides/slide5.xml><?xml version="1.0" encoding="utf-8"?>
 <p:sld xmlns:a="http://schemas.openxmlformats.org/drawingml/2006/main" xmlns:r="http://schemas.openxmlformats.org/officeDocument/2006/relationships" xmlns:p="http://schemas.openxmlformats.org/presentationml/2006/main">
   <p:cSld>
+    <p:bg>
+      <p:bgPr>
+        <a:solidFill>
+          <a:schemeClr val="bg1"/>
+        </a:solidFill>
+        <a:effectLst/>
+      </p:bgPr>
+    </p:bg>
+    <p:spTree>
+      <p:nvGrpSpPr>
+        <p:cNvPr id="1" name=""/>
+        <p:cNvGrpSpPr/>
+        <p:nvPr/>
+      </p:nvGrpSpPr>
+      <p:grpSpPr>
+        <a:xfrm>
+          <a:off x="0" y="0"/>
+          <a:ext cx="0" cy="0"/>
+          <a:chOff x="0" y="0"/>
+          <a:chExt cx="0" cy="0"/>
+        </a:xfrm>
+      </p:grpSpPr>
+      <p:cxnSp>
+        <p:nvCxnSpPr>
+          <p:cNvPr id="44" name="Straight Connector 19">
+            <a:extLst>
+              <a:ext uri="{FF2B5EF4-FFF2-40B4-BE49-F238E27FC236}">
+                <a16:creationId xmlns:a16="http://schemas.microsoft.com/office/drawing/2014/main" id="{4436E0F2-A64B-471E-93C0-8DFE08CC57C8}"/>
+              </a:ext>
+              <a:ext uri="{C183D7F6-B498-43B3-948B-1728B52AA6E4}">
+                <adec:decorative xmlns:adec="http://schemas.microsoft.com/office/drawing/2017/decorative" val="1"/>
+              </a:ext>
+            </a:extLst>
+          </p:cNvPr>
+          <p:cNvCxnSpPr>
+            <a:cxnSpLocks noGrp="1" noRot="1" noChangeAspect="1" noMove="1" noResize="1" noEditPoints="1" noAdjustHandles="1" noChangeArrowheads="1" noChangeShapeType="1"/>
+          </p:cNvCxnSpPr>
+          <p:nvPr>
+            <p:extLst>
+              <p:ext uri="{386F3935-93C4-4BCD-93E2-E3B085C9AB24}">
+                <p16:designElem xmlns:p16="http://schemas.microsoft.com/office/powerpoint/2015/main" val="1"/>
+              </p:ext>
+            </p:extLst>
+          </p:nvPr>
+        </p:nvCxnSpPr>
+        <p:spPr>
+          <a:xfrm flipH="1">
+            <a:off x="0" y="0"/>
+            <a:ext cx="3119718" cy="685800"/>
+          </a:xfrm>
+          <a:prstGeom prst="line">
+            <a:avLst/>
+          </a:prstGeom>
+          <a:ln w="12700">
+            <a:solidFill>
+              <a:schemeClr val="accent2">
+                <a:alpha val="70000"/>
+              </a:schemeClr>
+            </a:solidFill>
+          </a:ln>
+        </p:spPr>
+        <p:style>
+          <a:lnRef idx="1">
+            <a:schemeClr val="accent1"/>
+          </a:lnRef>
+          <a:fillRef idx="0">
+            <a:schemeClr val="accent1"/>
+          </a:fillRef>
+          <a:effectRef idx="0">
+            <a:schemeClr val="accent1"/>
+          </a:effectRef>
+          <a:fontRef idx="minor">
+            <a:schemeClr val="tx1"/>
+          </a:fontRef>
+        </p:style>
+      </p:cxnSp>
+      <p:cxnSp>
+        <p:nvCxnSpPr>
+          <p:cNvPr id="45" name="Straight Connector 21">
+            <a:extLst>
+              <a:ext uri="{FF2B5EF4-FFF2-40B4-BE49-F238E27FC236}">
+                <a16:creationId xmlns:a16="http://schemas.microsoft.com/office/drawing/2014/main" id="{DC1E3AB1-2A8C-4607-9FAE-D8BDB280FE1A}"/>
+              </a:ext>
+              <a:ext uri="{C183D7F6-B498-43B3-948B-1728B52AA6E4}">
+                <adec:decorative xmlns:adec="http://schemas.microsoft.com/office/drawing/2017/decorative" val="1"/>
+              </a:ext>
+            </a:extLst>
+          </p:cNvPr>
+          <p:cNvCxnSpPr>
+            <a:cxnSpLocks noGrp="1" noRot="1" noChangeAspect="1" noMove="1" noResize="1" noEditPoints="1" noAdjustHandles="1" noChangeArrowheads="1" noChangeShapeType="1"/>
+          </p:cNvCxnSpPr>
+          <p:nvPr>
+            <p:extLst>
+              <p:ext uri="{386F3935-93C4-4BCD-93E2-E3B085C9AB24}">
+                <p16:designElem xmlns:p16="http://schemas.microsoft.com/office/powerpoint/2015/main" val="1"/>
+              </p:ext>
+            </p:extLst>
+          </p:nvPr>
+        </p:nvCxnSpPr>
+        <p:spPr>
+          <a:xfrm flipH="1">
+            <a:off x="0" y="0"/>
+            <a:ext cx="903768" cy="6543675"/>
+          </a:xfrm>
+          <a:prstGeom prst="line">
+            <a:avLst/>
+          </a:prstGeom>
+          <a:ln w="12700">
+            <a:solidFill>
+              <a:schemeClr val="accent2">
+                <a:alpha val="70000"/>
+              </a:schemeClr>
+            </a:solidFill>
+          </a:ln>
+        </p:spPr>
+        <p:style>
+          <a:lnRef idx="1">
+            <a:schemeClr val="accent1"/>
+          </a:lnRef>
+          <a:fillRef idx="0">
+            <a:schemeClr val="accent1"/>
+          </a:fillRef>
+          <a:effectRef idx="0">
+            <a:schemeClr val="accent1"/>
+          </a:effectRef>
+          <a:fontRef idx="minor">
+            <a:schemeClr val="tx1"/>
+          </a:fontRef>
+        </p:style>
+      </p:cxnSp>
+      <p:cxnSp>
+        <p:nvCxnSpPr>
+          <p:cNvPr id="46" name="Straight Connector 23">
+            <a:extLst>
+              <a:ext uri="{FF2B5EF4-FFF2-40B4-BE49-F238E27FC236}">
+                <a16:creationId xmlns:a16="http://schemas.microsoft.com/office/drawing/2014/main" id="{26D66059-832F-40B6-A35F-F56C8F38A1E7}"/>
+              </a:ext>
+              <a:ext uri="{C183D7F6-B498-43B3-948B-1728B52AA6E4}">
+                <adec:decorative xmlns:adec="http://schemas.microsoft.com/office/drawing/2017/decorative" val="1"/>
+              </a:ext>
+            </a:extLst>
+          </p:cNvPr>
+          <p:cNvCxnSpPr>
+            <a:cxnSpLocks noGrp="1" noRot="1" noChangeAspect="1" noMove="1" noResize="1" noEditPoints="1" noAdjustHandles="1" noChangeArrowheads="1" noChangeShapeType="1"/>
+          </p:cNvCxnSpPr>
+          <p:nvPr>
+            <p:extLst>
+              <p:ext uri="{386F3935-93C4-4BCD-93E2-E3B085C9AB24}">
+                <p16:designElem xmlns:p16="http://schemas.microsoft.com/office/powerpoint/2015/main" val="1"/>
+              </p:ext>
+            </p:extLst>
+          </p:nvPr>
+        </p:nvCxnSpPr>
+        <p:spPr>
+          <a:xfrm flipH="1" flipV="1">
+            <a:off x="-42863" y="5791200"/>
+            <a:ext cx="6286501" cy="1066801"/>
+          </a:xfrm>
+          <a:prstGeom prst="line">
+            <a:avLst/>
+          </a:prstGeom>
+          <a:ln w="12700">
+            <a:solidFill>
+              <a:schemeClr val="accent2">
+                <a:alpha val="70000"/>
+              </a:schemeClr>
+            </a:solidFill>
+          </a:ln>
+        </p:spPr>
+        <p:style>
+          <a:lnRef idx="1">
+            <a:schemeClr val="accent1"/>
+          </a:lnRef>
+          <a:fillRef idx="0">
+            <a:schemeClr val="accent1"/>
+          </a:fillRef>
+          <a:effectRef idx="0">
+            <a:schemeClr val="accent1"/>
+          </a:effectRef>
+          <a:fontRef idx="minor">
+            <a:schemeClr val="tx1"/>
+          </a:fontRef>
+        </p:style>
+      </p:cxnSp>
+      <p:cxnSp>
+        <p:nvCxnSpPr>
+          <p:cNvPr id="47" name="Straight Connector 25">
+            <a:extLst>
+              <a:ext uri="{FF2B5EF4-FFF2-40B4-BE49-F238E27FC236}">
+                <a16:creationId xmlns:a16="http://schemas.microsoft.com/office/drawing/2014/main" id="{A515E2ED-7EA9-448D-83FA-54C3DF9723BD}"/>
+              </a:ext>
+              <a:ext uri="{C183D7F6-B498-43B3-948B-1728B52AA6E4}">
+                <adec:decorative xmlns:adec="http://schemas.microsoft.com/office/drawing/2017/decorative" val="1"/>
+              </a:ext>
+            </a:extLst>
+          </p:cNvPr>
+          <p:cNvCxnSpPr>
+            <a:cxnSpLocks noGrp="1" noRot="1" noChangeAspect="1" noMove="1" noResize="1" noEditPoints="1" noAdjustHandles="1" noChangeArrowheads="1" noChangeShapeType="1"/>
+          </p:cNvCxnSpPr>
+          <p:nvPr>
+            <p:extLst>
+              <p:ext uri="{386F3935-93C4-4BCD-93E2-E3B085C9AB24}">
+                <p16:designElem xmlns:p16="http://schemas.microsoft.com/office/powerpoint/2015/main" val="1"/>
+              </p:ext>
+            </p:extLst>
+          </p:nvPr>
+        </p:nvCxnSpPr>
+        <p:spPr>
+          <a:xfrm flipH="1">
+            <a:off x="8462964" y="5848350"/>
+            <a:ext cx="3729036" cy="1009650"/>
+          </a:xfrm>
+          <a:prstGeom prst="line">
+            <a:avLst/>
+          </a:prstGeom>
+          <a:ln w="12700">
+            <a:solidFill>
+              <a:schemeClr val="accent2">
+                <a:alpha val="70000"/>
+              </a:schemeClr>
+            </a:solidFill>
+          </a:ln>
+        </p:spPr>
+        <p:style>
+          <a:lnRef idx="1">
+            <a:schemeClr val="accent1"/>
+          </a:lnRef>
+          <a:fillRef idx="0">
+            <a:schemeClr val="accent1"/>
+          </a:fillRef>
+          <a:effectRef idx="0">
+            <a:schemeClr val="accent1"/>
+          </a:effectRef>
+          <a:fontRef idx="minor">
+            <a:schemeClr val="tx1"/>
+          </a:fontRef>
+        </p:style>
+      </p:cxnSp>
+      <p:cxnSp>
+        <p:nvCxnSpPr>
+          <p:cNvPr id="48" name="Straight Connector 27">
+            <a:extLst>
+              <a:ext uri="{FF2B5EF4-FFF2-40B4-BE49-F238E27FC236}">
+                <a16:creationId xmlns:a16="http://schemas.microsoft.com/office/drawing/2014/main" id="{20595356-EABD-4767-AC9D-EA21FF115EC0}"/>
+              </a:ext>
+              <a:ext uri="{C183D7F6-B498-43B3-948B-1728B52AA6E4}">
+                <adec:decorative xmlns:adec="http://schemas.microsoft.com/office/drawing/2017/decorative" val="1"/>
+              </a:ext>
+            </a:extLst>
+          </p:cNvPr>
+          <p:cNvCxnSpPr>
+            <a:cxnSpLocks noGrp="1" noRot="1" noChangeAspect="1" noMove="1" noResize="1" noEditPoints="1" noAdjustHandles="1" noChangeArrowheads="1" noChangeShapeType="1"/>
+          </p:cNvCxnSpPr>
+          <p:nvPr>
+            <p:extLst>
+              <p:ext uri="{386F3935-93C4-4BCD-93E2-E3B085C9AB24}">
+                <p16:designElem xmlns:p16="http://schemas.microsoft.com/office/powerpoint/2015/main" val="1"/>
+              </p:ext>
+            </p:extLst>
+          </p:nvPr>
+        </p:nvCxnSpPr>
+        <p:spPr>
+          <a:xfrm flipH="1">
+            <a:off x="11543158" y="1647825"/>
+            <a:ext cx="648842" cy="5210175"/>
+          </a:xfrm>
+          <a:prstGeom prst="line">
+            <a:avLst/>
+          </a:prstGeom>
+          <a:ln w="12700">
+            <a:solidFill>
+              <a:schemeClr val="accent2">
+                <a:alpha val="70000"/>
+              </a:schemeClr>
+            </a:solidFill>
+          </a:ln>
+        </p:spPr>
+        <p:style>
+          <a:lnRef idx="1">
+            <a:schemeClr val="accent1"/>
+          </a:lnRef>
+          <a:fillRef idx="0">
+            <a:schemeClr val="accent1"/>
+          </a:fillRef>
+          <a:effectRef idx="0">
+            <a:schemeClr val="accent1"/>
+          </a:effectRef>
+          <a:fontRef idx="minor">
+            <a:schemeClr val="tx1"/>
+          </a:fontRef>
+        </p:style>
+      </p:cxnSp>
+      <p:cxnSp>
+        <p:nvCxnSpPr>
+          <p:cNvPr id="49" name="Straight Connector 29">
+            <a:extLst>
+              <a:ext uri="{FF2B5EF4-FFF2-40B4-BE49-F238E27FC236}">
+                <a16:creationId xmlns:a16="http://schemas.microsoft.com/office/drawing/2014/main" id="{28CD9F06-9628-469C-B788-A894E3E08281}"/>
+              </a:ext>
+              <a:ext uri="{C183D7F6-B498-43B3-948B-1728B52AA6E4}">
+                <adec:decorative xmlns:adec="http://schemas.microsoft.com/office/drawing/2017/decorative" val="1"/>
+              </a:ext>
+            </a:extLst>
+          </p:cNvPr>
+          <p:cNvCxnSpPr>
+            <a:cxnSpLocks noGrp="1" noRot="1" noChangeAspect="1" noMove="1" noResize="1" noEditPoints="1" noAdjustHandles="1" noChangeArrowheads="1" noChangeShapeType="1"/>
+          </p:cNvCxnSpPr>
+          <p:nvPr>
+            <p:extLst>
+              <p:ext uri="{386F3935-93C4-4BCD-93E2-E3B085C9AB24}">
+                <p16:designElem xmlns:p16="http://schemas.microsoft.com/office/powerpoint/2015/main" val="1"/>
+              </p:ext>
+            </p:extLst>
+          </p:nvPr>
+        </p:nvCxnSpPr>
+        <p:spPr>
+          <a:xfrm flipH="1" flipV="1">
+            <a:off x="10781554" y="0"/>
+            <a:ext cx="1410446" cy="4258340"/>
+          </a:xfrm>
+          <a:prstGeom prst="line">
+            <a:avLst/>
+          </a:prstGeom>
+          <a:ln w="12700">
+            <a:solidFill>
+              <a:schemeClr val="accent2">
+                <a:alpha val="70000"/>
+              </a:schemeClr>
+            </a:solidFill>
+          </a:ln>
+        </p:spPr>
+        <p:style>
+          <a:lnRef idx="1">
+            <a:schemeClr val="accent1"/>
+          </a:lnRef>
+          <a:fillRef idx="0">
+            <a:schemeClr val="accent1"/>
+          </a:fillRef>
+          <a:effectRef idx="0">
+            <a:schemeClr val="accent1"/>
+          </a:effectRef>
+          <a:fontRef idx="minor">
+            <a:schemeClr val="tx1"/>
+          </a:fontRef>
+        </p:style>
+      </p:cxnSp>
+      <p:cxnSp>
+        <p:nvCxnSpPr>
+          <p:cNvPr id="50" name="Straight Connector 31">
+            <a:extLst>
+              <a:ext uri="{FF2B5EF4-FFF2-40B4-BE49-F238E27FC236}">
+                <a16:creationId xmlns:a16="http://schemas.microsoft.com/office/drawing/2014/main" id="{8550A431-0B61-421B-B4B7-24C0CFF0F938}"/>
+              </a:ext>
+              <a:ext uri="{C183D7F6-B498-43B3-948B-1728B52AA6E4}">
+                <adec:decorative xmlns:adec="http://schemas.microsoft.com/office/drawing/2017/decorative" val="1"/>
+              </a:ext>
+            </a:extLst>
+          </p:cNvPr>
+          <p:cNvCxnSpPr>
+            <a:cxnSpLocks noGrp="1" noRot="1" noChangeAspect="1" noMove="1" noResize="1" noEditPoints="1" noAdjustHandles="1" noChangeArrowheads="1" noChangeShapeType="1"/>
+          </p:cNvCxnSpPr>
+          <p:nvPr>
+            <p:extLst>
+              <p:ext uri="{386F3935-93C4-4BCD-93E2-E3B085C9AB24}">
+                <p16:designElem xmlns:p16="http://schemas.microsoft.com/office/powerpoint/2015/main" val="1"/>
+              </p:ext>
+            </p:extLst>
+          </p:nvPr>
+        </p:nvCxnSpPr>
+        <p:spPr>
+          <a:xfrm flipH="1" flipV="1">
+            <a:off x="6529388" y="-4763"/>
+            <a:ext cx="5662612" cy="931975"/>
+          </a:xfrm>
+          <a:prstGeom prst="line">
+            <a:avLst/>
+          </a:prstGeom>
+          <a:ln w="12700">
+            <a:solidFill>
+              <a:schemeClr val="accent2">
+                <a:alpha val="70000"/>
+              </a:schemeClr>
+            </a:solidFill>
+          </a:ln>
+        </p:spPr>
+        <p:style>
+          <a:lnRef idx="1">
+            <a:schemeClr val="accent1"/>
+          </a:lnRef>
+          <a:fillRef idx="0">
+            <a:schemeClr val="accent1"/>
+          </a:fillRef>
+          <a:effectRef idx="0">
+            <a:schemeClr val="accent1"/>
+          </a:effectRef>
+          <a:fontRef idx="minor">
+            <a:schemeClr val="tx1"/>
+          </a:fontRef>
+        </p:style>
+      </p:cxnSp>
+      <p:sp useBgFill="1">
+        <p:nvSpPr>
+          <p:cNvPr id="51" name="Rectangle 33">
+            <a:extLst>
+              <a:ext uri="{FF2B5EF4-FFF2-40B4-BE49-F238E27FC236}">
+                <a16:creationId xmlns:a16="http://schemas.microsoft.com/office/drawing/2014/main" id="{53851C1C-90B4-4D68-8D77-ACEDEBF972A3}"/>
+              </a:ext>
+              <a:ext uri="{C183D7F6-B498-43B3-948B-1728B52AA6E4}">
+                <adec:decorative xmlns:adec="http://schemas.microsoft.com/office/drawing/2017/decorative" val="1"/>
+              </a:ext>
+            </a:extLst>
+          </p:cNvPr>
+          <p:cNvSpPr>
+            <a:spLocks noGrp="1" noRot="1" noChangeAspect="1" noMove="1" noResize="1" noEditPoints="1" noAdjustHandles="1" noChangeArrowheads="1" noChangeShapeType="1" noTextEdit="1"/>
+          </p:cNvSpPr>
+          <p:nvPr>
+            <p:extLst>
+              <p:ext uri="{386F3935-93C4-4BCD-93E2-E3B085C9AB24}">
+                <p16:designElem xmlns:p16="http://schemas.microsoft.com/office/powerpoint/2015/main" val="1"/>
+              </p:ext>
+            </p:extLst>
+          </p:nvPr>
+        </p:nvSpPr>
+        <p:spPr>
+          <a:xfrm>
+            <a:off x="0" y="0"/>
+            <a:ext cx="12192000" cy="6858000"/>
+          </a:xfrm>
+          <a:prstGeom prst="rect">
+            <a:avLst/>
+          </a:prstGeom>
+          <a:ln w="12700" cap="flat" cmpd="sng" algn="ctr">
+            <a:noFill/>
+            <a:prstDash val="solid"/>
+            <a:miter lim="800000"/>
+          </a:ln>
+          <a:effectLst/>
+          <a:extLst>
+            <a:ext uri="{91240B29-F687-4F45-9708-019B960494DF}">
+              <a14:hiddenLine xmlns:a14="http://schemas.microsoft.com/office/drawing/2010/main" w="12700" cap="flat" cmpd="sng" algn="ctr">
+                <a:solidFill>
+                  <a:schemeClr val="accent1">
+                    <a:shade val="50000"/>
+                  </a:schemeClr>
+                </a:solidFill>
+                <a:prstDash val="solid"/>
+                <a:miter lim="800000"/>
+              </a14:hiddenLine>
+            </a:ext>
+          </a:extLst>
+        </p:spPr>
+        <p:style>
+          <a:lnRef idx="2">
+            <a:schemeClr val="accent1">
+              <a:shade val="50000"/>
+            </a:schemeClr>
+          </a:lnRef>
+          <a:fillRef idx="1">
+            <a:schemeClr val="accent1"/>
+          </a:fillRef>
+          <a:effectRef idx="0">
+            <a:schemeClr val="accent1"/>
+          </a:effectRef>
+          <a:fontRef idx="minor">
+            <a:schemeClr val="lt1"/>
+          </a:fontRef>
+        </p:style>
+        <p:txBody>
+          <a:bodyPr rtlCol="0" anchor="ctr"/>
+          <a:lstStyle/>
+          <a:p>
+            <a:pPr algn="ctr"/>
+            <a:endParaRPr lang="en-US"/>
+          </a:p>
+        </p:txBody>
+      </p:sp>
+      <p:sp>
+        <p:nvSpPr>
+          <p:cNvPr id="52" name="Rectangle 23">
+            <a:extLst>
+              <a:ext uri="{FF2B5EF4-FFF2-40B4-BE49-F238E27FC236}">
+                <a16:creationId xmlns:a16="http://schemas.microsoft.com/office/drawing/2014/main" id="{66A6C3B0-6FDC-4B35-B7CE-CC75F305A27F}"/>
+              </a:ext>
+              <a:ext uri="{C183D7F6-B498-43B3-948B-1728B52AA6E4}">
+                <adec:decorative xmlns:adec="http://schemas.microsoft.com/office/drawing/2017/decorative" val="1"/>
+              </a:ext>
+            </a:extLst>
+          </p:cNvPr>
+          <p:cNvSpPr>
+            <a:spLocks noGrp="1" noRot="1" noChangeAspect="1" noMove="1" noResize="1" noEditPoints="1" noAdjustHandles="1" noChangeArrowheads="1" noChangeShapeType="1" noTextEdit="1"/>
+          </p:cNvSpPr>
+          <p:nvPr>
+            <p:extLst>
+              <p:ext uri="{386F3935-93C4-4BCD-93E2-E3B085C9AB24}">
+                <p16:designElem xmlns:p16="http://schemas.microsoft.com/office/powerpoint/2015/main" val="1"/>
+              </p:ext>
+            </p:extLst>
+          </p:nvPr>
+        </p:nvSpPr>
+        <p:spPr>
+          <a:xfrm rot="10800000" flipV="1">
+            <a:off x="0" y="-10952"/>
+            <a:ext cx="5037413" cy="6881907"/>
+          </a:xfrm>
+          <a:custGeom>
+            <a:avLst/>
+            <a:gdLst>
+              <a:gd name="connsiteX0" fmla="*/ 0 w 5803153"/>
+              <a:gd name="connsiteY0" fmla="*/ 0 h 6857998"/>
+              <a:gd name="connsiteX1" fmla="*/ 5803153 w 5803153"/>
+              <a:gd name="connsiteY1" fmla="*/ 0 h 6857998"/>
+              <a:gd name="connsiteX2" fmla="*/ 5803153 w 5803153"/>
+              <a:gd name="connsiteY2" fmla="*/ 6857998 h 6857998"/>
+              <a:gd name="connsiteX3" fmla="*/ 0 w 5803153"/>
+              <a:gd name="connsiteY3" fmla="*/ 6857998 h 6857998"/>
+              <a:gd name="connsiteX4" fmla="*/ 0 w 5803153"/>
+              <a:gd name="connsiteY4" fmla="*/ 0 h 6857998"/>
+              <a:gd name="connsiteX0" fmla="*/ 1016000 w 5803153"/>
+              <a:gd name="connsiteY0" fmla="*/ 0 h 6857998"/>
+              <a:gd name="connsiteX1" fmla="*/ 5803153 w 5803153"/>
+              <a:gd name="connsiteY1" fmla="*/ 0 h 6857998"/>
+              <a:gd name="connsiteX2" fmla="*/ 5803153 w 5803153"/>
+              <a:gd name="connsiteY2" fmla="*/ 6857998 h 6857998"/>
+              <a:gd name="connsiteX3" fmla="*/ 0 w 5803153"/>
+              <a:gd name="connsiteY3" fmla="*/ 6857998 h 6857998"/>
+              <a:gd name="connsiteX4" fmla="*/ 1016000 w 5803153"/>
+              <a:gd name="connsiteY4" fmla="*/ 0 h 6857998"/>
+              <a:gd name="connsiteX0" fmla="*/ 1338729 w 6125882"/>
+              <a:gd name="connsiteY0" fmla="*/ 0 h 6857998"/>
+              <a:gd name="connsiteX1" fmla="*/ 6125882 w 6125882"/>
+              <a:gd name="connsiteY1" fmla="*/ 0 h 6857998"/>
+              <a:gd name="connsiteX2" fmla="*/ 6125882 w 6125882"/>
+              <a:gd name="connsiteY2" fmla="*/ 6857998 h 6857998"/>
+              <a:gd name="connsiteX3" fmla="*/ 0 w 6125882"/>
+              <a:gd name="connsiteY3" fmla="*/ 6846045 h 6857998"/>
+              <a:gd name="connsiteX4" fmla="*/ 1338729 w 6125882"/>
+              <a:gd name="connsiteY4" fmla="*/ 0 h 6857998"/>
+              <a:gd name="connsiteX0" fmla="*/ 1697317 w 6125882"/>
+              <a:gd name="connsiteY0" fmla="*/ 0 h 6857998"/>
+              <a:gd name="connsiteX1" fmla="*/ 6125882 w 6125882"/>
+              <a:gd name="connsiteY1" fmla="*/ 0 h 6857998"/>
+              <a:gd name="connsiteX2" fmla="*/ 6125882 w 6125882"/>
+              <a:gd name="connsiteY2" fmla="*/ 6857998 h 6857998"/>
+              <a:gd name="connsiteX3" fmla="*/ 0 w 6125882"/>
+              <a:gd name="connsiteY3" fmla="*/ 6846045 h 6857998"/>
+              <a:gd name="connsiteX4" fmla="*/ 1697317 w 6125882"/>
+              <a:gd name="connsiteY4" fmla="*/ 0 h 6857998"/>
+              <a:gd name="connsiteX0" fmla="*/ 2702091 w 6125882"/>
+              <a:gd name="connsiteY0" fmla="*/ 0 h 6857998"/>
+              <a:gd name="connsiteX1" fmla="*/ 6125882 w 6125882"/>
+              <a:gd name="connsiteY1" fmla="*/ 0 h 6857998"/>
+              <a:gd name="connsiteX2" fmla="*/ 6125882 w 6125882"/>
+              <a:gd name="connsiteY2" fmla="*/ 6857998 h 6857998"/>
+              <a:gd name="connsiteX3" fmla="*/ 0 w 6125882"/>
+              <a:gd name="connsiteY3" fmla="*/ 6846045 h 6857998"/>
+              <a:gd name="connsiteX4" fmla="*/ 2702091 w 6125882"/>
+              <a:gd name="connsiteY4" fmla="*/ 0 h 6857998"/>
+              <a:gd name="connsiteX0" fmla="*/ 1215089 w 6125882"/>
+              <a:gd name="connsiteY0" fmla="*/ 0 h 6857998"/>
+              <a:gd name="connsiteX1" fmla="*/ 6125882 w 6125882"/>
+              <a:gd name="connsiteY1" fmla="*/ 0 h 6857998"/>
+              <a:gd name="connsiteX2" fmla="*/ 6125882 w 6125882"/>
+              <a:gd name="connsiteY2" fmla="*/ 6857998 h 6857998"/>
+              <a:gd name="connsiteX3" fmla="*/ 0 w 6125882"/>
+              <a:gd name="connsiteY3" fmla="*/ 6846045 h 6857998"/>
+              <a:gd name="connsiteX4" fmla="*/ 1215089 w 6125882"/>
+              <a:gd name="connsiteY4" fmla="*/ 0 h 6857998"/>
+              <a:gd name="connsiteX0" fmla="*/ 1222204 w 6132997"/>
+              <a:gd name="connsiteY0" fmla="*/ 0 h 6881904"/>
+              <a:gd name="connsiteX1" fmla="*/ 6132997 w 6132997"/>
+              <a:gd name="connsiteY1" fmla="*/ 0 h 6881904"/>
+              <a:gd name="connsiteX2" fmla="*/ 6132997 w 6132997"/>
+              <a:gd name="connsiteY2" fmla="*/ 6857998 h 6881904"/>
+              <a:gd name="connsiteX3" fmla="*/ 0 w 6132997"/>
+              <a:gd name="connsiteY3" fmla="*/ 6881904 h 6881904"/>
+              <a:gd name="connsiteX4" fmla="*/ 1222204 w 6132997"/>
+              <a:gd name="connsiteY4" fmla="*/ 0 h 6881904"/>
+              <a:gd name="connsiteX0" fmla="*/ 1358016 w 6132997"/>
+              <a:gd name="connsiteY0" fmla="*/ 0 h 6881904"/>
+              <a:gd name="connsiteX1" fmla="*/ 6132997 w 6132997"/>
+              <a:gd name="connsiteY1" fmla="*/ 0 h 6881904"/>
+              <a:gd name="connsiteX2" fmla="*/ 6132997 w 6132997"/>
+              <a:gd name="connsiteY2" fmla="*/ 6857998 h 6881904"/>
+              <a:gd name="connsiteX3" fmla="*/ 0 w 6132997"/>
+              <a:gd name="connsiteY3" fmla="*/ 6881904 h 6881904"/>
+              <a:gd name="connsiteX4" fmla="*/ 1358016 w 6132997"/>
+              <a:gd name="connsiteY4" fmla="*/ 0 h 6881904"/>
+              <a:gd name="connsiteX0" fmla="*/ 1916832 w 6132997"/>
+              <a:gd name="connsiteY0" fmla="*/ 0 h 6892855"/>
+              <a:gd name="connsiteX1" fmla="*/ 6132997 w 6132997"/>
+              <a:gd name="connsiteY1" fmla="*/ 10951 h 6892855"/>
+              <a:gd name="connsiteX2" fmla="*/ 6132997 w 6132997"/>
+              <a:gd name="connsiteY2" fmla="*/ 6868949 h 6892855"/>
+              <a:gd name="connsiteX3" fmla="*/ 0 w 6132997"/>
+              <a:gd name="connsiteY3" fmla="*/ 6892855 h 6892855"/>
+              <a:gd name="connsiteX4" fmla="*/ 1916832 w 6132997"/>
+              <a:gd name="connsiteY4" fmla="*/ 0 h 6892855"/>
+              <a:gd name="connsiteX0" fmla="*/ 2210210 w 6426375"/>
+              <a:gd name="connsiteY0" fmla="*/ 0 h 6881905"/>
+              <a:gd name="connsiteX1" fmla="*/ 6426375 w 6426375"/>
+              <a:gd name="connsiteY1" fmla="*/ 10951 h 6881905"/>
+              <a:gd name="connsiteX2" fmla="*/ 6426375 w 6426375"/>
+              <a:gd name="connsiteY2" fmla="*/ 6868949 h 6881905"/>
+              <a:gd name="connsiteX3" fmla="*/ 0 w 6426375"/>
+              <a:gd name="connsiteY3" fmla="*/ 6881905 h 6881905"/>
+              <a:gd name="connsiteX4" fmla="*/ 2210210 w 6426375"/>
+              <a:gd name="connsiteY4" fmla="*/ 0 h 6881905"/>
+              <a:gd name="connsiteX0" fmla="*/ 2755055 w 6426375"/>
+              <a:gd name="connsiteY0" fmla="*/ 0 h 6881905"/>
+              <a:gd name="connsiteX1" fmla="*/ 6426375 w 6426375"/>
+              <a:gd name="connsiteY1" fmla="*/ 10951 h 6881905"/>
+              <a:gd name="connsiteX2" fmla="*/ 6426375 w 6426375"/>
+              <a:gd name="connsiteY2" fmla="*/ 6868949 h 6881905"/>
+              <a:gd name="connsiteX3" fmla="*/ 0 w 6426375"/>
+              <a:gd name="connsiteY3" fmla="*/ 6881905 h 6881905"/>
+              <a:gd name="connsiteX4" fmla="*/ 2755055 w 6426375"/>
+              <a:gd name="connsiteY4" fmla="*/ 0 h 6881905"/>
+            </a:gdLst>
+            <a:ahLst/>
+            <a:cxnLst>
+              <a:cxn ang="0">
+                <a:pos x="connsiteX0" y="connsiteY0"/>
+              </a:cxn>
+              <a:cxn ang="0">
+                <a:pos x="connsiteX1" y="connsiteY1"/>
+              </a:cxn>
+              <a:cxn ang="0">
+                <a:pos x="connsiteX2" y="connsiteY2"/>
+              </a:cxn>
+              <a:cxn ang="0">
+                <a:pos x="connsiteX3" y="connsiteY3"/>
+              </a:cxn>
+              <a:cxn ang="0">
+                <a:pos x="connsiteX4" y="connsiteY4"/>
+              </a:cxn>
+            </a:cxnLst>
+            <a:rect l="l" t="t" r="r" b="b"/>
+            <a:pathLst>
+              <a:path w="6426375" h="6881905">
+                <a:moveTo>
+                  <a:pt x="2755055" y="0"/>
+                </a:moveTo>
+                <a:lnTo>
+                  <a:pt x="6426375" y="10951"/>
+                </a:lnTo>
+                <a:lnTo>
+                  <a:pt x="6426375" y="6868949"/>
+                </a:lnTo>
+                <a:lnTo>
+                  <a:pt x="0" y="6881905"/>
+                </a:lnTo>
+                <a:lnTo>
+                  <a:pt x="2755055" y="0"/>
+                </a:lnTo>
+                <a:close/>
+              </a:path>
+            </a:pathLst>
+          </a:custGeom>
+          <a:solidFill>
+            <a:schemeClr val="bg2"/>
+          </a:solidFill>
+          <a:ln>
+            <a:noFill/>
+          </a:ln>
+        </p:spPr>
+        <p:style>
+          <a:lnRef idx="2">
+            <a:schemeClr val="accent1">
+              <a:shade val="50000"/>
+            </a:schemeClr>
+          </a:lnRef>
+          <a:fillRef idx="1">
+            <a:schemeClr val="accent1"/>
+          </a:fillRef>
+          <a:effectRef idx="0">
+            <a:schemeClr val="accent1"/>
+          </a:effectRef>
+          <a:fontRef idx="minor">
+            <a:schemeClr val="lt1"/>
+          </a:fontRef>
+        </p:style>
+        <p:txBody>
+          <a:bodyPr rtlCol="0" anchor="ctr"/>
+          <a:lstStyle/>
+          <a:p>
+            <a:pPr algn="ctr"/>
+            <a:endParaRPr lang="en-US" dirty="0"/>
+          </a:p>
+        </p:txBody>
+      </p:sp>
+      <p:cxnSp>
+        <p:nvCxnSpPr>
+          <p:cNvPr id="53" name="Straight Connector 37">
+            <a:extLst>
+              <a:ext uri="{FF2B5EF4-FFF2-40B4-BE49-F238E27FC236}">
+                <a16:creationId xmlns:a16="http://schemas.microsoft.com/office/drawing/2014/main" id="{BF6F135C-352B-4218-8C4A-72DA56E2BC8D}"/>
+              </a:ext>
+              <a:ext uri="{C183D7F6-B498-43B3-948B-1728B52AA6E4}">
+                <adec:decorative xmlns:adec="http://schemas.microsoft.com/office/drawing/2017/decorative" val="1"/>
+              </a:ext>
+            </a:extLst>
+          </p:cNvPr>
+          <p:cNvCxnSpPr>
+            <a:cxnSpLocks noGrp="1" noRot="1" noChangeAspect="1" noMove="1" noResize="1" noEditPoints="1" noAdjustHandles="1" noChangeArrowheads="1" noChangeShapeType="1"/>
+          </p:cNvCxnSpPr>
+          <p:nvPr>
+            <p:extLst>
+              <p:ext uri="{386F3935-93C4-4BCD-93E2-E3B085C9AB24}">
+                <p16:designElem xmlns:p16="http://schemas.microsoft.com/office/powerpoint/2015/main" val="1"/>
+              </p:ext>
+            </p:extLst>
+          </p:nvPr>
+        </p:nvCxnSpPr>
+        <p:spPr>
+          <a:xfrm flipH="1" flipV="1">
+            <a:off x="5486400" y="0"/>
+            <a:ext cx="6705600" cy="1998539"/>
+          </a:xfrm>
+          <a:prstGeom prst="line">
+            <a:avLst/>
+          </a:prstGeom>
+          <a:ln w="12700">
+            <a:solidFill>
+              <a:schemeClr val="accent2">
+                <a:alpha val="70000"/>
+              </a:schemeClr>
+            </a:solidFill>
+          </a:ln>
+        </p:spPr>
+        <p:style>
+          <a:lnRef idx="1">
+            <a:schemeClr val="accent1"/>
+          </a:lnRef>
+          <a:fillRef idx="0">
+            <a:schemeClr val="accent1"/>
+          </a:fillRef>
+          <a:effectRef idx="0">
+            <a:schemeClr val="accent1"/>
+          </a:effectRef>
+          <a:fontRef idx="minor">
+            <a:schemeClr val="tx1"/>
+          </a:fontRef>
+        </p:style>
+      </p:cxnSp>
+      <p:cxnSp>
+        <p:nvCxnSpPr>
+          <p:cNvPr id="54" name="Straight Connector 39">
+            <a:extLst>
+              <a:ext uri="{FF2B5EF4-FFF2-40B4-BE49-F238E27FC236}">
+                <a16:creationId xmlns:a16="http://schemas.microsoft.com/office/drawing/2014/main" id="{3358AD04-C5C5-4EED-9739-2CCED69898D0}"/>
+              </a:ext>
+              <a:ext uri="{C183D7F6-B498-43B3-948B-1728B52AA6E4}">
+                <adec:decorative xmlns:adec="http://schemas.microsoft.com/office/drawing/2017/decorative" val="1"/>
+              </a:ext>
+            </a:extLst>
+          </p:cNvPr>
+          <p:cNvCxnSpPr>
+            <a:cxnSpLocks noGrp="1" noRot="1" noChangeAspect="1" noMove="1" noResize="1" noEditPoints="1" noAdjustHandles="1" noChangeArrowheads="1" noChangeShapeType="1"/>
+          </p:cNvCxnSpPr>
+          <p:nvPr>
+            <p:extLst>
+              <p:ext uri="{386F3935-93C4-4BCD-93E2-E3B085C9AB24}">
+                <p16:designElem xmlns:p16="http://schemas.microsoft.com/office/powerpoint/2015/main" val="1"/>
+              </p:ext>
+            </p:extLst>
+          </p:nvPr>
+        </p:nvCxnSpPr>
+        <p:spPr>
+          <a:xfrm flipH="1">
+            <a:off x="7468513" y="4035406"/>
+            <a:ext cx="4723487" cy="2822594"/>
+          </a:xfrm>
+          <a:prstGeom prst="line">
+            <a:avLst/>
+          </a:prstGeom>
+          <a:ln w="12700">
+            <a:solidFill>
+              <a:schemeClr val="accent2">
+                <a:alpha val="70000"/>
+              </a:schemeClr>
+            </a:solidFill>
+          </a:ln>
+        </p:spPr>
+        <p:style>
+          <a:lnRef idx="1">
+            <a:schemeClr val="accent1"/>
+          </a:lnRef>
+          <a:fillRef idx="0">
+            <a:schemeClr val="accent1"/>
+          </a:fillRef>
+          <a:effectRef idx="0">
+            <a:schemeClr val="accent1"/>
+          </a:effectRef>
+          <a:fontRef idx="minor">
+            <a:schemeClr val="tx1"/>
+          </a:fontRef>
+        </p:style>
+      </p:cxnSp>
+      <p:cxnSp>
+        <p:nvCxnSpPr>
+          <p:cNvPr id="55" name="Straight Connector 41">
+            <a:extLst>
+              <a:ext uri="{FF2B5EF4-FFF2-40B4-BE49-F238E27FC236}">
+                <a16:creationId xmlns:a16="http://schemas.microsoft.com/office/drawing/2014/main" id="{72A09171-30F7-4DDD-8406-68606DFBEF5D}"/>
+              </a:ext>
+              <a:ext uri="{C183D7F6-B498-43B3-948B-1728B52AA6E4}">
+                <adec:decorative xmlns:adec="http://schemas.microsoft.com/office/drawing/2017/decorative" val="1"/>
+              </a:ext>
+            </a:extLst>
+          </p:cNvPr>
+          <p:cNvCxnSpPr>
+            <a:cxnSpLocks noGrp="1" noRot="1" noChangeAspect="1" noMove="1" noResize="1" noEditPoints="1" noAdjustHandles="1" noChangeArrowheads="1" noChangeShapeType="1"/>
+          </p:cNvCxnSpPr>
+          <p:nvPr>
+            <p:extLst>
+              <p:ext uri="{386F3935-93C4-4BCD-93E2-E3B085C9AB24}">
+                <p16:designElem xmlns:p16="http://schemas.microsoft.com/office/powerpoint/2015/main" val="1"/>
+              </p:ext>
+            </p:extLst>
+          </p:nvPr>
+        </p:nvCxnSpPr>
+        <p:spPr>
+          <a:xfrm flipH="1">
+            <a:off x="9434056" y="0"/>
+            <a:ext cx="2036307" cy="6870956"/>
+          </a:xfrm>
+          <a:prstGeom prst="line">
+            <a:avLst/>
+          </a:prstGeom>
+          <a:ln w="12700">
+            <a:solidFill>
+              <a:schemeClr val="accent2">
+                <a:alpha val="70000"/>
+              </a:schemeClr>
+            </a:solidFill>
+          </a:ln>
+        </p:spPr>
+        <p:style>
+          <a:lnRef idx="1">
+            <a:schemeClr val="accent1"/>
+          </a:lnRef>
+          <a:fillRef idx="0">
+            <a:schemeClr val="accent1"/>
+          </a:fillRef>
+          <a:effectRef idx="0">
+            <a:schemeClr val="accent1"/>
+          </a:effectRef>
+          <a:fontRef idx="minor">
+            <a:schemeClr val="tx1"/>
+          </a:fontRef>
+        </p:style>
+      </p:cxnSp>
+      <p:sp>
+        <p:nvSpPr>
+          <p:cNvPr id="2" name="TextBox 1">
+            <a:extLst>
+              <a:ext uri="{FF2B5EF4-FFF2-40B4-BE49-F238E27FC236}">
+                <a16:creationId xmlns:a16="http://schemas.microsoft.com/office/drawing/2014/main" id="{773A3FE3-C1B7-124D-BCF4-0DD887F112E7}"/>
+              </a:ext>
+            </a:extLst>
+          </p:cNvPr>
+          <p:cNvSpPr txBox="1"/>
+          <p:nvPr/>
+        </p:nvSpPr>
+        <p:spPr>
+          <a:xfrm>
+            <a:off x="5694671" y="2934063"/>
+            <a:ext cx="4288353" cy="646331"/>
+          </a:xfrm>
+          <a:prstGeom prst="rect">
+            <a:avLst/>
+          </a:prstGeom>
+          <a:noFill/>
+        </p:spPr>
+        <p:txBody>
+          <a:bodyPr wrap="none" rtlCol="0">
+            <a:spAutoFit/>
+          </a:bodyPr>
+          <a:lstStyle/>
+          <a:p>
+            <a:r>
+              <a:rPr lang="en-GB" dirty="0"/>
+              <a:t>How we use facial regulation needs regulation </a:t>
+            </a:r>
+            <a:endParaRPr lang="en-US" dirty="0"/>
+          </a:p>
+          <a:p>
+            <a:endParaRPr lang="en-US" dirty="0"/>
+          </a:p>
+        </p:txBody>
+      </p:sp>
+      <p:pic>
+        <p:nvPicPr>
+          <p:cNvPr id="17" name="Picture 16" descr="A picture containing text&#10;&#10;Description automatically generated">
+            <a:extLst>
+              <a:ext uri="{FF2B5EF4-FFF2-40B4-BE49-F238E27FC236}">
+                <a16:creationId xmlns:a16="http://schemas.microsoft.com/office/drawing/2014/main" id="{9B06819A-7345-C045-97CC-04F97C67D528}"/>
+              </a:ext>
+            </a:extLst>
+          </p:cNvPr>
+          <p:cNvPicPr>
+            <a:picLocks noChangeAspect="1"/>
+          </p:cNvPicPr>
+          <p:nvPr/>
+        </p:nvPicPr>
+        <p:blipFill rotWithShape="1">
+          <a:blip r:embed="rId2"/>
+          <a:srcRect l="22516" r="24517" b="2"/>
+          <a:stretch/>
+        </p:blipFill>
+        <p:spPr>
+          <a:xfrm>
+            <a:off x="-2573" y="10"/>
+            <a:ext cx="4811317" cy="6857988"/>
+          </a:xfrm>
+          <a:custGeom>
+            <a:avLst/>
+            <a:gdLst/>
+            <a:ahLst/>
+            <a:cxnLst/>
+            <a:rect l="l" t="t" r="r" b="b"/>
+            <a:pathLst>
+              <a:path w="4811317" h="6857998">
+                <a:moveTo>
+                  <a:pt x="0" y="0"/>
+                </a:moveTo>
+                <a:lnTo>
+                  <a:pt x="4811317" y="0"/>
+                </a:lnTo>
+                <a:lnTo>
+                  <a:pt x="2712446" y="6857998"/>
+                </a:lnTo>
+                <a:lnTo>
+                  <a:pt x="0" y="6857998"/>
+                </a:lnTo>
+                <a:close/>
+              </a:path>
+            </a:pathLst>
+          </a:custGeom>
+        </p:spPr>
+      </p:pic>
+    </p:spTree>
+    <p:extLst>
+      <p:ext uri="{BB962C8B-B14F-4D97-AF65-F5344CB8AC3E}">
+        <p14:creationId xmlns:p14="http://schemas.microsoft.com/office/powerpoint/2010/main" val="1382958882"/>
+      </p:ext>
+    </p:extLst>
+  </p:cSld>
+  <p:clrMapOvr>
+    <a:masterClrMapping/>
+  </p:clrMapOvr>
+</p:sld>
+</file>
+
+<file path=ppt/slides/slide6.xml><?xml version="1.0" encoding="utf-8"?>
+<p:sld xmlns:a="http://schemas.openxmlformats.org/drawingml/2006/main" xmlns:r="http://schemas.openxmlformats.org/officeDocument/2006/relationships" xmlns:p="http://schemas.openxmlformats.org/presentationml/2006/main">
+  <p:cSld>
     <p:spTree>
       <p:nvGrpSpPr>
         <p:cNvPr id="1" name=""/>
